--- a/spoiler_alert_presentation.pptx
+++ b/spoiler_alert_presentation.pptx
@@ -7,8 +7,8 @@
   <p:sldIdLst>
     <p:sldId id="256" r:id="rId2"/>
     <p:sldId id="257" r:id="rId3"/>
-    <p:sldId id="258" r:id="rId4"/>
-    <p:sldId id="260" r:id="rId5"/>
+    <p:sldId id="260" r:id="rId4"/>
+    <p:sldId id="258" r:id="rId5"/>
     <p:sldId id="259" r:id="rId6"/>
     <p:sldId id="262" r:id="rId7"/>
     <p:sldId id="261" r:id="rId8"/>
@@ -111,6 +111,11 @@
       </a:defRPr>
     </a:lvl9pPr>
   </p:defaultTextStyle>
+  <p:extLst>
+    <p:ext uri="{EFAFB233-063F-42B5-8137-9DF3F51BA10A}">
+      <p15:sldGuideLst xmlns:p15="http://schemas.microsoft.com/office/powerpoint/2012/main"/>
+    </p:ext>
+  </p:extLst>
 </p:presentation>
 </file>
 
@@ -1061,7 +1066,7 @@
             <a:t>Custom Stop </a:t>
           </a:r>
           <a:r>
-            <a:rPr lang="en-US" sz="1800" b="1" kern="1200" dirty="0">
+            <a:rPr lang="en-US" sz="1600" b="1" kern="1200" dirty="0">
               <a:solidFill>
                 <a:prstClr val="white"/>
               </a:solidFill>
@@ -1748,7 +1753,7 @@
             <a:t>Custom Stop </a:t>
           </a:r>
           <a:r>
-            <a:rPr lang="en-US" sz="1800" b="1" kern="1200" dirty="0">
+            <a:rPr lang="en-US" sz="1600" b="1" kern="1200" dirty="0">
               <a:solidFill>
                 <a:prstClr val="white"/>
               </a:solidFill>
@@ -3701,7 +3706,7 @@
             <a:fld id="{B61BEF0D-F0BB-DE4B-95CE-6DB70DBA9567}" type="datetimeFigureOut">
               <a:rPr lang="en-US" dirty="0"/>
               <a:pPr/>
-              <a:t>2/13/20</a:t>
+              <a:t>2/14/20</a:t>
             </a:fld>
             <a:endParaRPr lang="en-US" dirty="0"/>
           </a:p>
@@ -4022,7 +4027,7 @@
             <a:fld id="{B61BEF0D-F0BB-DE4B-95CE-6DB70DBA9567}" type="datetimeFigureOut">
               <a:rPr lang="en-US" dirty="0"/>
               <a:pPr/>
-              <a:t>2/13/20</a:t>
+              <a:t>2/14/20</a:t>
             </a:fld>
             <a:endParaRPr lang="en-US" dirty="0"/>
           </a:p>
@@ -4267,7 +4272,7 @@
             <a:fld id="{B61BEF0D-F0BB-DE4B-95CE-6DB70DBA9567}" type="datetimeFigureOut">
               <a:rPr lang="en-US" dirty="0"/>
               <a:pPr/>
-              <a:t>2/13/20</a:t>
+              <a:t>2/14/20</a:t>
             </a:fld>
             <a:endParaRPr lang="en-US" dirty="0"/>
           </a:p>
@@ -4603,7 +4608,7 @@
             <a:fld id="{B61BEF0D-F0BB-DE4B-95CE-6DB70DBA9567}" type="datetimeFigureOut">
               <a:rPr lang="en-US" dirty="0"/>
               <a:pPr/>
-              <a:t>2/13/20</a:t>
+              <a:t>2/14/20</a:t>
             </a:fld>
             <a:endParaRPr lang="en-US" dirty="0"/>
           </a:p>
@@ -4947,7 +4952,7 @@
             <a:fld id="{B61BEF0D-F0BB-DE4B-95CE-6DB70DBA9567}" type="datetimeFigureOut">
               <a:rPr lang="en-US" dirty="0"/>
               <a:pPr/>
-              <a:t>2/13/20</a:t>
+              <a:t>2/14/20</a:t>
             </a:fld>
             <a:endParaRPr lang="en-US" dirty="0"/>
           </a:p>
@@ -5318,7 +5323,7 @@
             <a:fld id="{B61BEF0D-F0BB-DE4B-95CE-6DB70DBA9567}" type="datetimeFigureOut">
               <a:rPr lang="en-US" dirty="0"/>
               <a:pPr/>
-              <a:t>2/13/20</a:t>
+              <a:t>2/14/20</a:t>
             </a:fld>
             <a:endParaRPr lang="en-US" dirty="0"/>
           </a:p>
@@ -5785,7 +5790,7 @@
             <a:fld id="{B61BEF0D-F0BB-DE4B-95CE-6DB70DBA9567}" type="datetimeFigureOut">
               <a:rPr lang="en-US" dirty="0"/>
               <a:pPr/>
-              <a:t>2/13/20</a:t>
+              <a:t>2/14/20</a:t>
             </a:fld>
             <a:endParaRPr lang="en-US" dirty="0"/>
           </a:p>
@@ -5987,7 +5992,7 @@
             <a:fld id="{B61BEF0D-F0BB-DE4B-95CE-6DB70DBA9567}" type="datetimeFigureOut">
               <a:rPr lang="en-US" dirty="0"/>
               <a:pPr/>
-              <a:t>2/13/20</a:t>
+              <a:t>2/14/20</a:t>
             </a:fld>
             <a:endParaRPr lang="en-US" dirty="0"/>
           </a:p>
@@ -6195,7 +6200,7 @@
             <a:fld id="{B61BEF0D-F0BB-DE4B-95CE-6DB70DBA9567}" type="datetimeFigureOut">
               <a:rPr lang="en-US" dirty="0"/>
               <a:pPr/>
-              <a:t>2/13/20</a:t>
+              <a:t>2/14/20</a:t>
             </a:fld>
             <a:endParaRPr lang="en-US" dirty="0"/>
           </a:p>
@@ -6423,7 +6428,7 @@
           <a:p>
             <a:fld id="{52647F38-B617-4D2F-AE0A-013F0C4D2C57}" type="datetimeFigureOut">
               <a:rPr lang="en-US" dirty="0"/>
-              <a:t>2/13/20</a:t>
+              <a:t>2/14/20</a:t>
             </a:fld>
             <a:endParaRPr lang="en-US" dirty="0"/>
           </a:p>
@@ -6667,7 +6672,7 @@
             <a:fld id="{B61BEF0D-F0BB-DE4B-95CE-6DB70DBA9567}" type="datetimeFigureOut">
               <a:rPr lang="en-US" dirty="0"/>
               <a:pPr/>
-              <a:t>2/13/20</a:t>
+              <a:t>2/14/20</a:t>
             </a:fld>
             <a:endParaRPr lang="en-US" dirty="0"/>
           </a:p>
@@ -6961,7 +6966,7 @@
           <a:p>
             <a:fld id="{05BFA754-D5C3-4E66-96A6-867B257F58DC}" type="datetimeFigureOut">
               <a:rPr lang="en-US" dirty="0"/>
-              <a:t>2/13/20</a:t>
+              <a:t>2/14/20</a:t>
             </a:fld>
             <a:endParaRPr lang="en-US" dirty="0"/>
           </a:p>
@@ -7351,7 +7356,7 @@
             <a:fld id="{B61BEF0D-F0BB-DE4B-95CE-6DB70DBA9567}" type="datetimeFigureOut">
               <a:rPr lang="en-US" dirty="0"/>
               <a:pPr/>
-              <a:t>2/13/20</a:t>
+              <a:t>2/14/20</a:t>
             </a:fld>
             <a:endParaRPr lang="en-US" dirty="0"/>
           </a:p>
@@ -7497,7 +7502,7 @@
             <a:fld id="{B61BEF0D-F0BB-DE4B-95CE-6DB70DBA9567}" type="datetimeFigureOut">
               <a:rPr lang="en-US" dirty="0"/>
               <a:pPr/>
-              <a:t>2/13/20</a:t>
+              <a:t>2/14/20</a:t>
             </a:fld>
             <a:endParaRPr lang="en-US" dirty="0"/>
           </a:p>
@@ -7620,7 +7625,7 @@
             <a:fld id="{B61BEF0D-F0BB-DE4B-95CE-6DB70DBA9567}" type="datetimeFigureOut">
               <a:rPr lang="en-US" dirty="0"/>
               <a:pPr/>
-              <a:t>2/13/20</a:t>
+              <a:t>2/14/20</a:t>
             </a:fld>
             <a:endParaRPr lang="en-US" dirty="0"/>
           </a:p>
@@ -7872,7 +7877,7 @@
             <a:fld id="{B61BEF0D-F0BB-DE4B-95CE-6DB70DBA9567}" type="datetimeFigureOut">
               <a:rPr lang="en-US" dirty="0"/>
               <a:pPr/>
-              <a:t>2/13/20</a:t>
+              <a:t>2/14/20</a:t>
             </a:fld>
             <a:endParaRPr lang="en-US" dirty="0"/>
           </a:p>
@@ -8184,7 +8189,7 @@
             <a:fld id="{B61BEF0D-F0BB-DE4B-95CE-6DB70DBA9567}" type="datetimeFigureOut">
               <a:rPr lang="en-US" dirty="0"/>
               <a:pPr/>
-              <a:t>2/13/20</a:t>
+              <a:t>2/14/20</a:t>
             </a:fld>
             <a:endParaRPr lang="en-US" dirty="0"/>
           </a:p>
@@ -8532,7 +8537,7 @@
             <a:fld id="{B61BEF0D-F0BB-DE4B-95CE-6DB70DBA9567}" type="datetimeFigureOut">
               <a:rPr lang="en-US" dirty="0"/>
               <a:pPr/>
-              <a:t>2/13/20</a:t>
+              <a:t>2/14/20</a:t>
             </a:fld>
             <a:endParaRPr lang="en-US" dirty="0"/>
           </a:p>
@@ -9331,6 +9336,123 @@
           <p:cNvPr id="2" name="Title 1">
             <a:extLst>
               <a:ext uri="{FF2B5EF4-FFF2-40B4-BE49-F238E27FC236}">
+                <a16:creationId xmlns:a16="http://schemas.microsoft.com/office/drawing/2014/main" id="{9C656AE5-25BF-F244-8CBB-2E27CEE26C93}"/>
+              </a:ext>
+            </a:extLst>
+          </p:cNvPr>
+          <p:cNvSpPr>
+            <a:spLocks noGrp="1"/>
+          </p:cNvSpPr>
+          <p:nvPr>
+            <p:ph type="title"/>
+          </p:nvPr>
+        </p:nvSpPr>
+        <p:spPr/>
+        <p:txBody>
+          <a:bodyPr/>
+          <a:lstStyle/>
+          <a:p>
+            <a:r>
+              <a:rPr lang="en-US" dirty="0"/>
+              <a:t>Most Frequent Words</a:t>
+            </a:r>
+          </a:p>
+        </p:txBody>
+      </p:sp>
+      <p:pic>
+        <p:nvPicPr>
+          <p:cNvPr id="5" name="Content Placeholder 4" descr="A close up of a sign&#10;&#10;Description automatically generated">
+            <a:extLst>
+              <a:ext uri="{FF2B5EF4-FFF2-40B4-BE49-F238E27FC236}">
+                <a16:creationId xmlns:a16="http://schemas.microsoft.com/office/drawing/2014/main" id="{904C9003-22D1-7749-B3B7-57F7B1217D56}"/>
+              </a:ext>
+            </a:extLst>
+          </p:cNvPr>
+          <p:cNvPicPr>
+            <a:picLocks noGrp="1" noChangeAspect="1"/>
+          </p:cNvPicPr>
+          <p:nvPr>
+            <p:ph idx="1"/>
+          </p:nvPr>
+        </p:nvPicPr>
+        <p:blipFill>
+          <a:blip r:embed="rId2"/>
+          <a:stretch>
+            <a:fillRect/>
+          </a:stretch>
+        </p:blipFill>
+        <p:spPr>
+          <a:xfrm>
+            <a:off x="1208905" y="3101696"/>
+            <a:ext cx="4575558" cy="2337649"/>
+          </a:xfrm>
+        </p:spPr>
+      </p:pic>
+      <p:pic>
+        <p:nvPicPr>
+          <p:cNvPr id="7" name="Picture 6" descr="A black sign with white text&#10;&#10;Description automatically generated">
+            <a:extLst>
+              <a:ext uri="{FF2B5EF4-FFF2-40B4-BE49-F238E27FC236}">
+                <a16:creationId xmlns:a16="http://schemas.microsoft.com/office/drawing/2014/main" id="{BE9CD2AA-D5BE-C14D-B083-3CDE7DF20BC6}"/>
+              </a:ext>
+            </a:extLst>
+          </p:cNvPr>
+          <p:cNvPicPr>
+            <a:picLocks noChangeAspect="1"/>
+          </p:cNvPicPr>
+          <p:nvPr/>
+        </p:nvPicPr>
+        <p:blipFill>
+          <a:blip r:embed="rId3"/>
+          <a:stretch>
+            <a:fillRect/>
+          </a:stretch>
+        </p:blipFill>
+        <p:spPr>
+          <a:xfrm>
+            <a:off x="6181341" y="3112716"/>
+            <a:ext cx="4575558" cy="2331415"/>
+          </a:xfrm>
+          <a:prstGeom prst="rect">
+            <a:avLst/>
+          </a:prstGeom>
+        </p:spPr>
+      </p:pic>
+    </p:spTree>
+    <p:extLst>
+      <p:ext uri="{BB962C8B-B14F-4D97-AF65-F5344CB8AC3E}">
+        <p14:creationId xmlns:p14="http://schemas.microsoft.com/office/powerpoint/2010/main" val="3158331834"/>
+      </p:ext>
+    </p:extLst>
+  </p:cSld>
+  <p:clrMapOvr>
+    <a:masterClrMapping/>
+  </p:clrMapOvr>
+</p:sld>
+</file>
+
+<file path=ppt/slides/slide4.xml><?xml version="1.0" encoding="utf-8"?>
+<p:sld xmlns:a="http://schemas.openxmlformats.org/drawingml/2006/main" xmlns:r="http://schemas.openxmlformats.org/officeDocument/2006/relationships" xmlns:p="http://schemas.openxmlformats.org/presentationml/2006/main">
+  <p:cSld>
+    <p:spTree>
+      <p:nvGrpSpPr>
+        <p:cNvPr id="1" name=""/>
+        <p:cNvGrpSpPr/>
+        <p:nvPr/>
+      </p:nvGrpSpPr>
+      <p:grpSpPr>
+        <a:xfrm>
+          <a:off x="0" y="0"/>
+          <a:ext cx="0" cy="0"/>
+          <a:chOff x="0" y="0"/>
+          <a:chExt cx="0" cy="0"/>
+        </a:xfrm>
+      </p:grpSpPr>
+      <p:sp>
+        <p:nvSpPr>
+          <p:cNvPr id="2" name="Title 1">
+            <a:extLst>
+              <a:ext uri="{FF2B5EF4-FFF2-40B4-BE49-F238E27FC236}">
                 <a16:creationId xmlns:a16="http://schemas.microsoft.com/office/drawing/2014/main" id="{41751C50-1F89-544E-AF2C-AC7D6CEA3D1A}"/>
               </a:ext>
             </a:extLst>
@@ -10141,89 +10263,6 @@
 </p:sld>
 </file>
 
-<file path=ppt/slides/slide4.xml><?xml version="1.0" encoding="utf-8"?>
-<p:sld xmlns:a="http://schemas.openxmlformats.org/drawingml/2006/main" xmlns:r="http://schemas.openxmlformats.org/officeDocument/2006/relationships" xmlns:p="http://schemas.openxmlformats.org/presentationml/2006/main">
-  <p:cSld>
-    <p:spTree>
-      <p:nvGrpSpPr>
-        <p:cNvPr id="1" name=""/>
-        <p:cNvGrpSpPr/>
-        <p:nvPr/>
-      </p:nvGrpSpPr>
-      <p:grpSpPr>
-        <a:xfrm>
-          <a:off x="0" y="0"/>
-          <a:ext cx="0" cy="0"/>
-          <a:chOff x="0" y="0"/>
-          <a:chExt cx="0" cy="0"/>
-        </a:xfrm>
-      </p:grpSpPr>
-      <p:sp>
-        <p:nvSpPr>
-          <p:cNvPr id="2" name="Title 1">
-            <a:extLst>
-              <a:ext uri="{FF2B5EF4-FFF2-40B4-BE49-F238E27FC236}">
-                <a16:creationId xmlns:a16="http://schemas.microsoft.com/office/drawing/2014/main" id="{9C656AE5-25BF-F244-8CBB-2E27CEE26C93}"/>
-              </a:ext>
-            </a:extLst>
-          </p:cNvPr>
-          <p:cNvSpPr>
-            <a:spLocks noGrp="1"/>
-          </p:cNvSpPr>
-          <p:nvPr>
-            <p:ph type="title"/>
-          </p:nvPr>
-        </p:nvSpPr>
-        <p:spPr/>
-        <p:txBody>
-          <a:bodyPr/>
-          <a:lstStyle/>
-          <a:p>
-            <a:r>
-              <a:rPr lang="en-US" dirty="0"/>
-              <a:t>Most Frequent Words</a:t>
-            </a:r>
-          </a:p>
-        </p:txBody>
-      </p:sp>
-      <p:sp>
-        <p:nvSpPr>
-          <p:cNvPr id="3" name="Content Placeholder 2">
-            <a:extLst>
-              <a:ext uri="{FF2B5EF4-FFF2-40B4-BE49-F238E27FC236}">
-                <a16:creationId xmlns:a16="http://schemas.microsoft.com/office/drawing/2014/main" id="{198B5389-D9EE-BB4F-A56C-3906861719E2}"/>
-              </a:ext>
-            </a:extLst>
-          </p:cNvPr>
-          <p:cNvSpPr>
-            <a:spLocks noGrp="1"/>
-          </p:cNvSpPr>
-          <p:nvPr>
-            <p:ph idx="1"/>
-          </p:nvPr>
-        </p:nvSpPr>
-        <p:spPr/>
-        <p:txBody>
-          <a:bodyPr/>
-          <a:lstStyle/>
-          <a:p>
-            <a:endParaRPr lang="en-US"/>
-          </a:p>
-        </p:txBody>
-      </p:sp>
-    </p:spTree>
-    <p:extLst>
-      <p:ext uri="{BB962C8B-B14F-4D97-AF65-F5344CB8AC3E}">
-        <p14:creationId xmlns:p14="http://schemas.microsoft.com/office/powerpoint/2010/main" val="3158331834"/>
-      </p:ext>
-    </p:extLst>
-  </p:cSld>
-  <p:clrMapOvr>
-    <a:masterClrMapping/>
-  </p:clrMapOvr>
-</p:sld>
-</file>
-
 <file path=ppt/slides/slide5.xml><?xml version="1.0" encoding="utf-8"?>
 <p:sld xmlns:a="http://schemas.openxmlformats.org/drawingml/2006/main" xmlns:r="http://schemas.openxmlformats.org/officeDocument/2006/relationships" xmlns:p="http://schemas.openxmlformats.org/presentationml/2006/main">
   <p:cSld>
@@ -10291,7 +10330,7 @@
             <p:ph idx="1"/>
             <p:extLst>
               <p:ext uri="{D42A27DB-BD31-4B8C-83A1-F6EECF244321}">
-                <p14:modId xmlns:p14="http://schemas.microsoft.com/office/powerpoint/2010/main" val="899125502"/>
+                <p14:modId xmlns:p14="http://schemas.microsoft.com/office/powerpoint/2010/main" val="2052324639"/>
               </p:ext>
             </p:extLst>
           </p:nvPr>
@@ -11644,14 +11683,14 @@
             <p:ph idx="1"/>
             <p:extLst>
               <p:ext uri="{D42A27DB-BD31-4B8C-83A1-F6EECF244321}">
-                <p14:modId xmlns:p14="http://schemas.microsoft.com/office/powerpoint/2010/main" val="3716715303"/>
+                <p14:modId xmlns:p14="http://schemas.microsoft.com/office/powerpoint/2010/main" val="3667055331"/>
               </p:ext>
             </p:extLst>
           </p:nvPr>
         </p:nvGraphicFramePr>
         <p:xfrm>
-          <a:off x="3086100" y="2757488"/>
-          <a:ext cx="6019800" cy="2971801"/>
+          <a:off x="2387427" y="2777852"/>
+          <a:ext cx="7417146" cy="3098016"/>
         </p:xfrm>
         <a:graphic>
           <a:graphicData uri="http://schemas.openxmlformats.org/drawingml/2006/table">
@@ -11660,35 +11699,42 @@
                 <a:tableStyleId>{5C22544A-7EE6-4342-B048-85BDC9FD1C3A}</a:tableStyleId>
               </a:tblPr>
               <a:tblGrid>
-                <a:gridCol w="1203960">
+                <a:gridCol w="1236191">
                   <a:extLst>
                     <a:ext uri="{9D8B030D-6E8A-4147-A177-3AD203B41FA5}">
                       <a16:colId xmlns:a16="http://schemas.microsoft.com/office/drawing/2014/main" val="852348514"/>
                     </a:ext>
                   </a:extLst>
                 </a:gridCol>
-                <a:gridCol w="1203960">
+                <a:gridCol w="1236191">
                   <a:extLst>
                     <a:ext uri="{9D8B030D-6E8A-4147-A177-3AD203B41FA5}">
                       <a16:colId xmlns:a16="http://schemas.microsoft.com/office/drawing/2014/main" val="186867643"/>
                     </a:ext>
                   </a:extLst>
                 </a:gridCol>
-                <a:gridCol w="1203960">
+                <a:gridCol w="1236191">
                   <a:extLst>
                     <a:ext uri="{9D8B030D-6E8A-4147-A177-3AD203B41FA5}">
                       <a16:colId xmlns:a16="http://schemas.microsoft.com/office/drawing/2014/main" val="3132645270"/>
                     </a:ext>
                   </a:extLst>
                 </a:gridCol>
-                <a:gridCol w="1203960">
+                <a:gridCol w="1236191">
                   <a:extLst>
                     <a:ext uri="{9D8B030D-6E8A-4147-A177-3AD203B41FA5}">
                       <a16:colId xmlns:a16="http://schemas.microsoft.com/office/drawing/2014/main" val="1281168733"/>
                     </a:ext>
                   </a:extLst>
                 </a:gridCol>
-                <a:gridCol w="1203960">
+                <a:gridCol w="1236191">
+                  <a:extLst>
+                    <a:ext uri="{9D8B030D-6E8A-4147-A177-3AD203B41FA5}">
+                      <a16:colId xmlns:a16="http://schemas.microsoft.com/office/drawing/2014/main" val="722916508"/>
+                    </a:ext>
+                  </a:extLst>
+                </a:gridCol>
+                <a:gridCol w="1236191">
                   <a:extLst>
                     <a:ext uri="{9D8B030D-6E8A-4147-A177-3AD203B41FA5}">
                       <a16:colId xmlns:a16="http://schemas.microsoft.com/office/drawing/2014/main" val="141230986"/>
@@ -11708,7 +11754,7 @@
                   </a:txBody>
                   <a:tcPr/>
                 </a:tc>
-                <a:tc gridSpan="4">
+                <a:tc gridSpan="5">
                   <a:txBody>
                     <a:bodyPr/>
                     <a:lstStyle/>
@@ -11743,6 +11789,16 @@
                     </a:p>
                   </a:txBody>
                   <a:tcPr anchor="ctr"/>
+                </a:tc>
+                <a:tc hMerge="1">
+                  <a:txBody>
+                    <a:bodyPr/>
+                    <a:lstStyle/>
+                    <a:p>
+                      <a:endParaRPr lang="en-US"/>
+                    </a:p>
+                  </a:txBody>
+                  <a:tcPr/>
                 </a:tc>
                 <a:tc hMerge="1">
                   <a:txBody>
@@ -11839,6 +11895,24 @@
                       <a:pPr algn="ctr"/>
                       <a:r>
                         <a:rPr lang="en-US" sz="1600" b="1" dirty="0"/>
+                        <a:t>w/ reviewer rating</a:t>
+                      </a:r>
+                    </a:p>
+                  </a:txBody>
+                  <a:tcPr anchor="ctr">
+                    <a:solidFill>
+                      <a:schemeClr val="accent1"/>
+                    </a:solidFill>
+                  </a:tcPr>
+                </a:tc>
+                <a:tc>
+                  <a:txBody>
+                    <a:bodyPr/>
+                    <a:lstStyle/>
+                    <a:p>
+                      <a:pPr algn="ctr"/>
+                      <a:r>
+                        <a:rPr lang="en-US" sz="1600" b="1" dirty="0"/>
                         <a:t>Optimized</a:t>
                       </a:r>
                     </a:p>
@@ -11882,7 +11956,13 @@
                       </a:r>
                     </a:p>
                   </a:txBody>
-                  <a:tcPr anchor="ctr"/>
+                  <a:tcPr anchor="ctr">
+                    <a:solidFill>
+                      <a:srgbClr val="FFC000">
+                        <a:alpha val="50000"/>
+                      </a:srgbClr>
+                    </a:solidFill>
+                  </a:tcPr>
                 </a:tc>
                 <a:tc>
                   <a:txBody>
@@ -11896,7 +11976,40 @@
                       </a:r>
                     </a:p>
                   </a:txBody>
-                  <a:tcPr anchor="ctr"/>
+                  <a:tcPr anchor="ctr">
+                    <a:solidFill>
+                      <a:srgbClr val="FFC000">
+                        <a:alpha val="50000"/>
+                      </a:srgbClr>
+                    </a:solidFill>
+                  </a:tcPr>
+                </a:tc>
+                <a:tc>
+                  <a:txBody>
+                    <a:bodyPr/>
+                    <a:lstStyle/>
+                    <a:p>
+                      <a:pPr algn="ctr"/>
+                      <a:r>
+                        <a:rPr lang="en-US" sz="1600" kern="1200" dirty="0">
+                          <a:solidFill>
+                            <a:schemeClr val="dk1"/>
+                          </a:solidFill>
+                          <a:latin typeface="+mn-lt"/>
+                          <a:ea typeface="+mn-ea"/>
+                          <a:cs typeface="+mn-cs"/>
+                        </a:rPr>
+                        <a:t>.42</a:t>
+                      </a:r>
+                    </a:p>
+                  </a:txBody>
+                  <a:tcPr anchor="ctr">
+                    <a:solidFill>
+                      <a:srgbClr val="FF0000">
+                        <a:alpha val="25000"/>
+                      </a:srgbClr>
+                    </a:solidFill>
+                  </a:tcPr>
                 </a:tc>
                 <a:tc>
                   <a:txBody>
@@ -11906,11 +12019,17 @@
                       <a:pPr algn="ctr"/>
                       <a:r>
                         <a:rPr lang="en-US" sz="1600" dirty="0"/>
-                        <a:t>.42</a:t>
+                        <a:t>.63</a:t>
                       </a:r>
                     </a:p>
                   </a:txBody>
-                  <a:tcPr anchor="ctr"/>
+                  <a:tcPr anchor="ctr">
+                    <a:solidFill>
+                      <a:srgbClr val="FFC000">
+                        <a:alpha val="50000"/>
+                      </a:srgbClr>
+                    </a:solidFill>
+                  </a:tcPr>
                 </a:tc>
                 <a:tc>
                   <a:txBody>
@@ -11924,7 +12043,13 @@
                       </a:r>
                     </a:p>
                   </a:txBody>
-                  <a:tcPr anchor="ctr"/>
+                  <a:tcPr anchor="ctr">
+                    <a:solidFill>
+                      <a:srgbClr val="FFC000">
+                        <a:alpha val="50000"/>
+                      </a:srgbClr>
+                    </a:solidFill>
+                  </a:tcPr>
                 </a:tc>
                 <a:extLst>
                   <a:ext uri="{0D108BD9-81ED-4DB2-BD59-A6C34878D82A}">
@@ -11959,7 +12084,13 @@
                       </a:r>
                     </a:p>
                   </a:txBody>
-                  <a:tcPr anchor="ctr"/>
+                  <a:tcPr anchor="ctr">
+                    <a:solidFill>
+                      <a:srgbClr val="92D050">
+                        <a:alpha val="50000"/>
+                      </a:srgbClr>
+                    </a:solidFill>
+                  </a:tcPr>
                 </a:tc>
                 <a:tc>
                   <a:txBody>
@@ -11973,7 +12104,13 @@
                       </a:r>
                     </a:p>
                   </a:txBody>
-                  <a:tcPr anchor="ctr"/>
+                  <a:tcPr anchor="ctr">
+                    <a:solidFill>
+                      <a:srgbClr val="FFC000">
+                        <a:alpha val="50000"/>
+                      </a:srgbClr>
+                    </a:solidFill>
+                  </a:tcPr>
                 </a:tc>
                 <a:tc>
                   <a:txBody>
@@ -11987,7 +12124,33 @@
                       </a:r>
                     </a:p>
                   </a:txBody>
-                  <a:tcPr anchor="ctr"/>
+                  <a:tcPr anchor="ctr">
+                    <a:solidFill>
+                      <a:srgbClr val="92D050">
+                        <a:alpha val="50000"/>
+                      </a:srgbClr>
+                    </a:solidFill>
+                  </a:tcPr>
+                </a:tc>
+                <a:tc>
+                  <a:txBody>
+                    <a:bodyPr/>
+                    <a:lstStyle/>
+                    <a:p>
+                      <a:pPr algn="ctr"/>
+                      <a:r>
+                        <a:rPr lang="en-US" sz="1600" dirty="0"/>
+                        <a:t>.70</a:t>
+                      </a:r>
+                    </a:p>
+                  </a:txBody>
+                  <a:tcPr anchor="ctr">
+                    <a:solidFill>
+                      <a:srgbClr val="FFC000">
+                        <a:alpha val="50000"/>
+                      </a:srgbClr>
+                    </a:solidFill>
+                  </a:tcPr>
                 </a:tc>
                 <a:tc>
                   <a:txBody>
@@ -12001,7 +12164,13 @@
                       </a:r>
                     </a:p>
                   </a:txBody>
-                  <a:tcPr anchor="ctr"/>
+                  <a:tcPr anchor="ctr">
+                    <a:solidFill>
+                      <a:srgbClr val="92D050">
+                        <a:alpha val="50000"/>
+                      </a:srgbClr>
+                    </a:solidFill>
+                  </a:tcPr>
                 </a:tc>
                 <a:extLst>
                   <a:ext uri="{0D108BD9-81ED-4DB2-BD59-A6C34878D82A}">
@@ -12036,7 +12205,13 @@
                       </a:r>
                     </a:p>
                   </a:txBody>
-                  <a:tcPr anchor="ctr"/>
+                  <a:tcPr anchor="ctr">
+                    <a:solidFill>
+                      <a:srgbClr val="FF0000">
+                        <a:alpha val="25000"/>
+                      </a:srgbClr>
+                    </a:solidFill>
+                  </a:tcPr>
                 </a:tc>
                 <a:tc>
                   <a:txBody>
@@ -12050,7 +12225,13 @@
                       </a:r>
                     </a:p>
                   </a:txBody>
-                  <a:tcPr anchor="ctr"/>
+                  <a:tcPr anchor="ctr">
+                    <a:solidFill>
+                      <a:srgbClr val="FF0000">
+                        <a:alpha val="25000"/>
+                      </a:srgbClr>
+                    </a:solidFill>
+                  </a:tcPr>
                 </a:tc>
                 <a:tc>
                   <a:txBody>
@@ -12064,7 +12245,33 @@
                       </a:r>
                     </a:p>
                   </a:txBody>
-                  <a:tcPr anchor="ctr"/>
+                  <a:tcPr anchor="ctr">
+                    <a:solidFill>
+                      <a:srgbClr val="FF0000">
+                        <a:alpha val="25000"/>
+                      </a:srgbClr>
+                    </a:solidFill>
+                  </a:tcPr>
+                </a:tc>
+                <a:tc>
+                  <a:txBody>
+                    <a:bodyPr/>
+                    <a:lstStyle/>
+                    <a:p>
+                      <a:pPr algn="ctr"/>
+                      <a:r>
+                        <a:rPr lang="en-US" sz="1600" dirty="0"/>
+                        <a:t>.61</a:t>
+                      </a:r>
+                    </a:p>
+                  </a:txBody>
+                  <a:tcPr anchor="ctr">
+                    <a:solidFill>
+                      <a:srgbClr val="FFC000">
+                        <a:alpha val="50000"/>
+                      </a:srgbClr>
+                    </a:solidFill>
+                  </a:tcPr>
                 </a:tc>
                 <a:tc>
                   <a:txBody>
@@ -12078,7 +12285,13 @@
                       </a:r>
                     </a:p>
                   </a:txBody>
-                  <a:tcPr anchor="ctr"/>
+                  <a:tcPr anchor="ctr">
+                    <a:solidFill>
+                      <a:srgbClr val="FFC000">
+                        <a:alpha val="50000"/>
+                      </a:srgbClr>
+                    </a:solidFill>
+                  </a:tcPr>
                 </a:tc>
                 <a:extLst>
                   <a:ext uri="{0D108BD9-81ED-4DB2-BD59-A6C34878D82A}">
@@ -12113,7 +12326,13 @@
                       </a:r>
                     </a:p>
                   </a:txBody>
-                  <a:tcPr anchor="ctr"/>
+                  <a:tcPr anchor="ctr">
+                    <a:solidFill>
+                      <a:srgbClr val="FF0000">
+                        <a:alpha val="25000"/>
+                      </a:srgbClr>
+                    </a:solidFill>
+                  </a:tcPr>
                 </a:tc>
                 <a:tc>
                   <a:txBody>
@@ -12127,7 +12346,13 @@
                       </a:r>
                     </a:p>
                   </a:txBody>
-                  <a:tcPr anchor="ctr"/>
+                  <a:tcPr anchor="ctr">
+                    <a:solidFill>
+                      <a:srgbClr val="FFC000">
+                        <a:alpha val="50000"/>
+                      </a:srgbClr>
+                    </a:solidFill>
+                  </a:tcPr>
                 </a:tc>
                 <a:tc>
                   <a:txBody>
@@ -12141,7 +12366,33 @@
                       </a:r>
                     </a:p>
                   </a:txBody>
-                  <a:tcPr anchor="ctr"/>
+                  <a:tcPr anchor="ctr">
+                    <a:solidFill>
+                      <a:srgbClr val="FF0000">
+                        <a:alpha val="25000"/>
+                      </a:srgbClr>
+                    </a:solidFill>
+                  </a:tcPr>
+                </a:tc>
+                <a:tc>
+                  <a:txBody>
+                    <a:bodyPr/>
+                    <a:lstStyle/>
+                    <a:p>
+                      <a:pPr algn="ctr"/>
+                      <a:r>
+                        <a:rPr lang="en-US" sz="1600" dirty="0"/>
+                        <a:t>.65</a:t>
+                      </a:r>
+                    </a:p>
+                  </a:txBody>
+                  <a:tcPr anchor="ctr">
+                    <a:solidFill>
+                      <a:srgbClr val="FFC000">
+                        <a:alpha val="50000"/>
+                      </a:srgbClr>
+                    </a:solidFill>
+                  </a:tcPr>
                 </a:tc>
                 <a:tc>
                   <a:txBody>
@@ -12155,7 +12406,13 @@
                       </a:r>
                     </a:p>
                   </a:txBody>
-                  <a:tcPr anchor="ctr"/>
+                  <a:tcPr anchor="ctr">
+                    <a:solidFill>
+                      <a:srgbClr val="FFC000">
+                        <a:alpha val="50000"/>
+                      </a:srgbClr>
+                    </a:solidFill>
+                  </a:tcPr>
                 </a:tc>
                 <a:extLst>
                   <a:ext uri="{0D108BD9-81ED-4DB2-BD59-A6C34878D82A}">
@@ -12243,12 +12500,14 @@
         </p:nvSpPr>
         <p:spPr/>
         <p:txBody>
-          <a:bodyPr/>
+          <a:bodyPr>
+            <a:normAutofit fontScale="85000" lnSpcReduction="10000"/>
+          </a:bodyPr>
           <a:lstStyle/>
           <a:p>
             <a:r>
               <a:rPr lang="en-US" dirty="0"/>
-              <a:t>Baseline NLP</a:t>
+              <a:t>We’ve presented a baseline NLP model</a:t>
             </a:r>
           </a:p>
           <a:p>
@@ -12269,6 +12528,48 @@
             <a:r>
               <a:rPr lang="en-US" dirty="0"/>
               <a:t>Which instances of words and phrases are more important?</a:t>
+            </a:r>
+          </a:p>
+          <a:p>
+            <a:pPr lvl="1"/>
+            <a:r>
+              <a:rPr lang="en-US" dirty="0"/>
+              <a:t>Chunking &amp; rule-definition</a:t>
+            </a:r>
+          </a:p>
+          <a:p>
+            <a:pPr lvl="1"/>
+            <a:r>
+              <a:rPr lang="en-US" dirty="0"/>
+              <a:t>Removing “spoiler alert” as </a:t>
+            </a:r>
+            <a:r>
+              <a:rPr lang="en-US" dirty="0" err="1"/>
+              <a:t>stopword</a:t>
+            </a:r>
+            <a:r>
+              <a:rPr lang="en-US" dirty="0"/>
+              <a:t> to see if model can identify other tokens</a:t>
+            </a:r>
+          </a:p>
+          <a:p>
+            <a:pPr lvl="2"/>
+            <a:r>
+              <a:rPr lang="en-US" dirty="0"/>
+              <a:t>Identify non-advertised spoilers</a:t>
+            </a:r>
+          </a:p>
+          <a:p>
+            <a:pPr lvl="2"/>
+            <a:r>
+              <a:rPr lang="en-US" dirty="0"/>
+              <a:t>Why were false negatives identified as spoilers?</a:t>
+            </a:r>
+          </a:p>
+          <a:p>
+            <a:r>
+              <a:rPr lang="en-US" dirty="0"/>
+              <a:t>Incorporate the reviewer’s movie rating (as we did review length)</a:t>
             </a:r>
           </a:p>
         </p:txBody>
